--- a/DataStructure.pptx
+++ b/DataStructure.pptx
@@ -130,6 +130,48 @@
     </a:lvl9pPr>
   </p:defaultTextStyle>
   <p:extLst>
+    <p:ext uri="{521415D9-36F7-43E2-AB2F-B90AF26B5E84}">
+      <p14:sectionLst xmlns:p14="http://schemas.microsoft.com/office/powerpoint/2010/main">
+        <p14:section name="기본 구역" id="{A53A79FA-3317-4D6C-AB09-4B74007DADC8}">
+          <p14:sldIdLst>
+            <p14:sldId id="256"/>
+            <p14:sldId id="257"/>
+            <p14:sldId id="259"/>
+            <p14:sldId id="260"/>
+            <p14:sldId id="288"/>
+            <p14:sldId id="264"/>
+            <p14:sldId id="265"/>
+            <p14:sldId id="266"/>
+            <p14:sldId id="267"/>
+            <p14:sldId id="270"/>
+            <p14:sldId id="271"/>
+            <p14:sldId id="272"/>
+            <p14:sldId id="273"/>
+            <p14:sldId id="274"/>
+          </p14:sldIdLst>
+        </p14:section>
+        <p14:section name="정렬" id="{F0E8F8E2-4D87-4D73-801B-E0C82504263B}">
+          <p14:sldIdLst>
+            <p14:sldId id="275"/>
+            <p14:sldId id="276"/>
+            <p14:sldId id="277"/>
+            <p14:sldId id="278"/>
+            <p14:sldId id="279"/>
+            <p14:sldId id="280"/>
+            <p14:sldId id="281"/>
+            <p14:sldId id="283"/>
+          </p14:sldIdLst>
+        </p14:section>
+        <p14:section name="탐색" id="{18A3BD81-E88F-4C26-A2AA-217A6FC113D4}">
+          <p14:sldIdLst>
+            <p14:sldId id="285"/>
+            <p14:sldId id="282"/>
+            <p14:sldId id="286"/>
+            <p14:sldId id="287"/>
+          </p14:sldIdLst>
+        </p14:section>
+      </p14:sectionLst>
+    </p:ext>
     <p:ext uri="{EFAFB233-063F-42B5-8137-9DF3F51BA10A}">
       <p15:sldGuideLst xmlns:p15="http://schemas.microsoft.com/office/powerpoint/2012/main"/>
     </p:ext>

--- a/DataStructure.pptx
+++ b/DataStructure.pptx
@@ -6923,7 +6923,7 @@
         </p:nvSpPr>
         <p:spPr>
           <a:xfrm>
-            <a:off x="6561725" y="6282799"/>
+            <a:off x="6561725" y="6003029"/>
             <a:ext cx="5258320" cy="369332"/>
           </a:xfrm>
           <a:prstGeom prst="rect">
@@ -6955,10 +6955,10 @@
       </p:sp>
       <p:pic>
         <p:nvPicPr>
-          <p:cNvPr id="4" name="그림 3">
-            <a:extLst>
-              <a:ext uri="{FF2B5EF4-FFF2-40B4-BE49-F238E27FC236}">
-                <a16:creationId xmlns:a16="http://schemas.microsoft.com/office/drawing/2014/main" id="{2646BF74-2D2F-4E8B-A0BF-DD706BF9BF9C}"/>
+          <p:cNvPr id="5" name="그림 4">
+            <a:extLst>
+              <a:ext uri="{FF2B5EF4-FFF2-40B4-BE49-F238E27FC236}">
+                <a16:creationId xmlns:a16="http://schemas.microsoft.com/office/drawing/2014/main" id="{F5FFEF58-67C1-420E-88AA-17D32FC5E8D8}"/>
               </a:ext>
             </a:extLst>
           </p:cNvPr>
@@ -6981,8 +6981,8 @@
         </p:blipFill>
         <p:spPr>
           <a:xfrm>
-            <a:off x="6747060" y="1508804"/>
-            <a:ext cx="4887651" cy="4695560"/>
+            <a:off x="6748905" y="1614978"/>
+            <a:ext cx="4883960" cy="4388051"/>
           </a:xfrm>
           <a:prstGeom prst="rect">
             <a:avLst/>

--- a/DataStructure.pptx
+++ b/DataStructure.pptx
@@ -159,11 +159,11 @@
             <p14:sldId id="279"/>
             <p14:sldId id="280"/>
             <p14:sldId id="281"/>
-            <p14:sldId id="283"/>
           </p14:sldIdLst>
         </p14:section>
         <p14:section name="탐색" id="{18A3BD81-E88F-4C26-A2AA-217A6FC113D4}">
           <p14:sldIdLst>
+            <p14:sldId id="283"/>
             <p14:sldId id="285"/>
             <p14:sldId id="282"/>
             <p14:sldId id="286"/>
@@ -348,7 +348,7 @@
           <a:p>
             <a:fld id="{80A3625A-0BED-455C-BA14-E06FACB63DE7}" type="datetimeFigureOut">
               <a:rPr lang="ko-KR" altLang="en-US" smtClean="0"/>
-              <a:t>2018-09-12</a:t>
+              <a:t>2018-09-14</a:t>
             </a:fld>
             <a:endParaRPr lang="ko-KR" altLang="en-US"/>
           </a:p>
@@ -678,7 +678,7 @@
           <a:p>
             <a:fld id="{80A3625A-0BED-455C-BA14-E06FACB63DE7}" type="datetimeFigureOut">
               <a:rPr lang="ko-KR" altLang="en-US" smtClean="0"/>
-              <a:t>2018-09-12</a:t>
+              <a:t>2018-09-14</a:t>
             </a:fld>
             <a:endParaRPr lang="ko-KR" altLang="en-US"/>
           </a:p>
@@ -858,7 +858,7 @@
           <a:p>
             <a:fld id="{80A3625A-0BED-455C-BA14-E06FACB63DE7}" type="datetimeFigureOut">
               <a:rPr lang="ko-KR" altLang="en-US" smtClean="0"/>
-              <a:t>2018-09-12</a:t>
+              <a:t>2018-09-14</a:t>
             </a:fld>
             <a:endParaRPr lang="ko-KR" altLang="en-US"/>
           </a:p>
@@ -1028,7 +1028,7 @@
           <a:p>
             <a:fld id="{80A3625A-0BED-455C-BA14-E06FACB63DE7}" type="datetimeFigureOut">
               <a:rPr lang="ko-KR" altLang="en-US" smtClean="0"/>
-              <a:t>2018-09-12</a:t>
+              <a:t>2018-09-14</a:t>
             </a:fld>
             <a:endParaRPr lang="ko-KR" altLang="en-US"/>
           </a:p>
@@ -1305,7 +1305,7 @@
           <a:p>
             <a:fld id="{80A3625A-0BED-455C-BA14-E06FACB63DE7}" type="datetimeFigureOut">
               <a:rPr lang="ko-KR" altLang="en-US" smtClean="0"/>
-              <a:t>2018-09-12</a:t>
+              <a:t>2018-09-14</a:t>
             </a:fld>
             <a:endParaRPr lang="ko-KR" altLang="en-US"/>
           </a:p>
@@ -1699,7 +1699,7 @@
           <a:p>
             <a:fld id="{80A3625A-0BED-455C-BA14-E06FACB63DE7}" type="datetimeFigureOut">
               <a:rPr lang="ko-KR" altLang="en-US" smtClean="0"/>
-              <a:t>2018-09-12</a:t>
+              <a:t>2018-09-14</a:t>
             </a:fld>
             <a:endParaRPr lang="ko-KR" altLang="en-US"/>
           </a:p>
@@ -2181,7 +2181,7 @@
           <a:p>
             <a:fld id="{80A3625A-0BED-455C-BA14-E06FACB63DE7}" type="datetimeFigureOut">
               <a:rPr lang="ko-KR" altLang="en-US" smtClean="0"/>
-              <a:t>2018-09-12</a:t>
+              <a:t>2018-09-14</a:t>
             </a:fld>
             <a:endParaRPr lang="ko-KR" altLang="en-US"/>
           </a:p>
@@ -2304,7 +2304,7 @@
           <a:p>
             <a:fld id="{80A3625A-0BED-455C-BA14-E06FACB63DE7}" type="datetimeFigureOut">
               <a:rPr lang="ko-KR" altLang="en-US" smtClean="0"/>
-              <a:t>2018-09-12</a:t>
+              <a:t>2018-09-14</a:t>
             </a:fld>
             <a:endParaRPr lang="ko-KR" altLang="en-US"/>
           </a:p>
@@ -2399,7 +2399,7 @@
           <a:p>
             <a:fld id="{80A3625A-0BED-455C-BA14-E06FACB63DE7}" type="datetimeFigureOut">
               <a:rPr lang="ko-KR" altLang="en-US" smtClean="0"/>
-              <a:t>2018-09-12</a:t>
+              <a:t>2018-09-14</a:t>
             </a:fld>
             <a:endParaRPr lang="ko-KR" altLang="en-US"/>
           </a:p>
@@ -2745,7 +2745,7 @@
           <a:p>
             <a:fld id="{80A3625A-0BED-455C-BA14-E06FACB63DE7}" type="datetimeFigureOut">
               <a:rPr lang="ko-KR" altLang="en-US" smtClean="0"/>
-              <a:t>2018-09-12</a:t>
+              <a:t>2018-09-14</a:t>
             </a:fld>
             <a:endParaRPr lang="ko-KR" altLang="en-US"/>
           </a:p>
@@ -3138,7 +3138,7 @@
           <a:p>
             <a:fld id="{80A3625A-0BED-455C-BA14-E06FACB63DE7}" type="datetimeFigureOut">
               <a:rPr lang="ko-KR" altLang="en-US" smtClean="0"/>
-              <a:t>2018-09-12</a:t>
+              <a:t>2018-09-14</a:t>
             </a:fld>
             <a:endParaRPr lang="ko-KR" altLang="en-US"/>
           </a:p>
@@ -3416,7 +3416,7 @@
           <a:p>
             <a:fld id="{80A3625A-0BED-455C-BA14-E06FACB63DE7}" type="datetimeFigureOut">
               <a:rPr lang="ko-KR" altLang="en-US" smtClean="0"/>
-              <a:t>2018-09-12</a:t>
+              <a:t>2018-09-14</a:t>
             </a:fld>
             <a:endParaRPr lang="ko-KR" altLang="en-US"/>
           </a:p>
@@ -7102,7 +7102,7 @@
             </a:r>
             <a:r>
               <a:rPr lang="ko-KR" altLang="en-US" sz="2400" dirty="0"/>
-              <a:t>많은 시간이  걸리지 않는다</a:t>
+              <a:t>오랜 시간이  걸리지 않는다</a:t>
             </a:r>
             <a:r>
               <a:rPr lang="en-US" altLang="ko-KR" sz="2400" dirty="0"/>
@@ -7115,7 +7115,7 @@
             </a:pPr>
             <a:r>
               <a:rPr lang="ko-KR" altLang="en-US" sz="2400" dirty="0"/>
-              <a:t>삽입 정렬은 정렬이 된 자료구조에서의 속도가 빠르다는 점에서 착안된 알고리즘이다</a:t>
+              <a:t>삽입 정렬은 정렬이 된 자료구조에서 속도가 빠르다는 점에서 착안된 알고리즘이다</a:t>
             </a:r>
             <a:r>
               <a:rPr lang="en-US" altLang="ko-KR" sz="2400" dirty="0"/>
